--- a/Part 4 - Number System/Number System Conversion.pptx
+++ b/Part 4 - Number System/Number System Conversion.pptx
@@ -142,6 +142,125 @@
 </p1510:revInfo>
 </file>
 
+<file path=ppt/ink/ink1.xml><?xml version="1.0" encoding="utf-8"?>
+<inkml:ink xmlns:inkml="http://www.w3.org/2003/InkML">
+  <inkml:definitions>
+    <inkml:context xml:id="ctx0">
+      <inkml:inkSource xml:id="inkSrc0">
+        <inkml:traceFormat>
+          <inkml:channel name="X" type="integer" max="2560" units="cm"/>
+          <inkml:channel name="Y" type="integer" max="1440" units="cm"/>
+          <inkml:channel name="T" type="integer" max="2.14748E9" units="dev"/>
+        </inkml:traceFormat>
+        <inkml:channelProperties>
+          <inkml:channelProperty channel="X" name="resolution" value="42.03613" units="1/cm"/>
+          <inkml:channelProperty channel="Y" name="resolution" value="40.56338" units="1/cm"/>
+          <inkml:channelProperty channel="T" name="resolution" value="1" units="1/dev"/>
+        </inkml:channelProperties>
+      </inkml:inkSource>
+      <inkml:timestamp xml:id="ts0" timeString="2024-02-06T23:32:34.215"/>
+    </inkml:context>
+    <inkml:brush xml:id="br0">
+      <inkml:brushProperty name="width" value="0.05292" units="cm"/>
+      <inkml:brushProperty name="height" value="0.05292" units="cm"/>
+      <inkml:brushProperty name="color" value="#FF0000"/>
+    </inkml:brush>
+  </inkml:definitions>
+  <inkml:trace contextRef="#ctx0" brushRef="#br0">19831 16708 0,'13'0'47,"13"0"-31,27 27-1,26-14 1,14 14 0,26-14-1,27-13 1,-1 0-1,-26-13 1,80-40 15,-199 26-31,211-79 32,14-13-1,-212 119-31,80-53 15,0 0 1,-80 40-16,119-93 31,-52 53-15,-67 53-16,-13-13 0,79-53 16,-13 0-1,14 13 1,-27-13-1,-14 26 1,27-52 15,14-1 1,-67 80-32,40-80 31,-40 54-16,0-28 1,-13 14 0,0 1-1,0-1 1,0 26 0,-26-52 15,26 66-31,-40-27 15,14 13 1,-1-12 0,-39-14-1,13 0 1,-13-13 0,-53-27 15,106 93-31,-93-66 31,13 26-15,-12 1-1,-1 12 1,0 14 0,13 0-1,80 13-15,-66 0 16,-14 0-1,-13 0 1,14 0 0,78 0-16,-65 0 15,13 0 1,53 0-16,-27 0 16,-26 0-1,13 0 1,-13 0-1,13 0 1,0 13 0,0 0-1,0-13 1,13 13 0,-26 1-1,27-1 1,-14-13-1,26 13 1,-26 27 0,0-14-1,14 1 1,-14 12 0,26-12-1,-12-1 1,-1 27-1,14-26 1,-14 26 0,0-1-1,14-12 1,12 13 0,1-13-1,0-1 1,0 28-1,-14-1 1,27 0 0,0-53-16,-13 53 15,13 14 1,0-14 0,0-53-16,27 133 31,-1-80-16,0 13 1,1 0 0,13-26-1,-1 27 1,-12-14 0,12-13-1,-12-27 1,-1 27-1,1-26 1,-1-14 0,-12 0-1,-1 0 1,0 14 0,0-14-1,-13 0 79,13-13-78,-13 13 15</inkml:trace>
+</inkml:ink>
+</file>
+
+<file path=ppt/ink/ink2.xml><?xml version="1.0" encoding="utf-8"?>
+<inkml:ink xmlns:inkml="http://www.w3.org/2003/InkML">
+  <inkml:definitions>
+    <inkml:context xml:id="ctx0">
+      <inkml:inkSource xml:id="inkSrc0">
+        <inkml:traceFormat>
+          <inkml:channel name="X" type="integer" max="2560" units="cm"/>
+          <inkml:channel name="Y" type="integer" max="1440" units="cm"/>
+          <inkml:channel name="T" type="integer" max="2.14748E9" units="dev"/>
+        </inkml:traceFormat>
+        <inkml:channelProperties>
+          <inkml:channelProperty channel="X" name="resolution" value="42.03613" units="1/cm"/>
+          <inkml:channelProperty channel="Y" name="resolution" value="40.56338" units="1/cm"/>
+          <inkml:channelProperty channel="T" name="resolution" value="1" units="1/dev"/>
+        </inkml:channelProperties>
+      </inkml:inkSource>
+      <inkml:timestamp xml:id="ts0" timeString="2024-02-06T23:34:24.141"/>
+    </inkml:context>
+    <inkml:brush xml:id="br0">
+      <inkml:brushProperty name="width" value="0.05292" units="cm"/>
+      <inkml:brushProperty name="height" value="0.05292" units="cm"/>
+      <inkml:brushProperty name="color" value="#FF0000"/>
+    </inkml:brush>
+  </inkml:definitions>
+  <inkml:trace contextRef="#ctx0" brushRef="#br0">28482 7422 0,'14'0'47,"12"13"-16,1-13 0,-14 0 1,26 0-1,1 0 0,13-40 0,-40 40-15,27-53 0,-27 53-1,14-40 1,-14 1 15,0 39-15,0-40-1,-13 14 17,0 12-1,0 1-15,0-26 15,0-1-16,0 13 17,0-26-1,-13 14 0,13 12 0,-26 14 1,-1-27-1,-12 27 0,12 0 0,14 13-15,-27-27 0,-13 14 15,40 13-15,-13-26-1,12 26 1,-12-13-1,13 13 17,-1 0-17,-39 0 1,1 39 15,38-39-15,-25 27-1,-27-1 17,52-26-17,-65 40 1,66-40 0,13 13-16,-40 0 15,27 1 32,-27 12-31,14 14-1,-14-1 1,0 1 0,27 13-1,13-27 1,0 1-1,0 13 1,0-14 0,0 0-1,26 1 1,-12-1 0,-14-12-1,13-14 1,0 0-1,-13 13-15,13-13 16,14 13 0,-14-13-16,14 13 15,-1-13 1,14 0 0,26 0 15,-26 14-16,-1-14 1,-26 0 0,1 0-1,12 0 1,-13 0 0,1 0-1,-1 0 1,13 0-1,-13-14 1,1 14 78</inkml:trace>
+  <inkml:trace contextRef="#ctx0" brushRef="#br0" timeOffset="2016.94">28456 9432 0,'26'0'63,"14"-13"-48,0-13 1,-1-27 0,1 13-1,0 0 1,26-12 0,-53 25-1,40-13 1,-53 1-1,13 25 1,-13-38 0,0 25-1,0 1 1,0 12 0,0-12-1,0-14 1,0 14-1,-13 13 1,0-14 0,-14 1 15,1-27 0,26 39-15,-26 14-1,12-13 17,1 13-1,-13-13 0,12 13 16,1 0-31,-13 0-1,12 0 1,1 0 0,-13 0-1,13 0 1,-1 0-1,-12 0-15,-1 13 16,-12 14 0,-14 26 15,40-27-15,-14 14 15,14-1-16,13-25 1,-13 25 15,13 28 1,-14-41-17,14-13 1,-26 14-1,26 12 1,0-12 0,-13 13-1,13-1 1,0-12 0,-13 12 15,13-25-16,0 25 1,0 1 15,0-27-15,13 0 15,13 14 0,-13-27 16</inkml:trace>
+  <inkml:trace contextRef="#ctx0" brushRef="#br0" timeOffset="3797.39">28218 11390 0,'13'0'15,"0"0"1,53-13-1,-26 13 1,0-13 0,13 0-1,26-14 1,27-13 0,0 1-1,-80 39 1,-13-13-16,106-67 15,-105 54 1,-1-27 15,-13 13-15,0-52 15,-13 12 0,-14 54 1,27 12-17,-13 1 1,-27 0 15,27 13-15,-53-79-1,40 65 1,-27-39 0,39 53-1,-52 0 1,-13 0 15,13 14 0,52-14-15,-52 53 0,40-40-1,26 0-15,-53 27 32,53-27-17,-66 66 1,0-26 15,52-39 0,14-1-15,-13-13 0,0 13 15,13 13-16,-13 1 1,-14-27 0,-12 92-1,39-78 1,-27 78 0,14-78-1,13 25 16,0-26 79</inkml:trace>
+  <inkml:trace contextRef="#ctx0" brushRef="#br0" timeOffset="5957.63">28337 13838 0,'26'13'47,"14"-13"-31,-14 0-1,-12 0 1,39 0 0,-40 0-1,93-40 1,-80 27-1,54-27 1,-41 1 15,-26 25-15,40-52 0,-26 13 15,-14-13 0,-13 53-15,13-53-1,0 39 17,1-12-1,-14-1 0,26 14-15,-26-1 15,-26 1-15,-1-14 15,1 27 0,13 13-15,-27-14-1,27 14 1,-14-13 0,-65 0 15,78 13-16,-78 0 1,12 0 15,14 0 1,53 0-17,-40 0 1,40 0-1,0 0 1,-1 0 0,1 0 15,-53 66 0,53-53-15,-14 14-1,27-14 1,-13 14 0,13-14-1,-26 40 1,12-14 15,-12 14 0,26-39-15,0 12 0,0-13-1,0 0 1,0 14 0,0-14-1,0 14 16,0-14-15,0 0 0,13 0 15,0 27 0,14-27 0,-14-13 94,-13 13-93</inkml:trace>
+</inkml:ink>
+</file>
+
+<file path=ppt/ink/ink3.xml><?xml version="1.0" encoding="utf-8"?>
+<inkml:ink xmlns:inkml="http://www.w3.org/2003/InkML">
+  <inkml:definitions>
+    <inkml:context xml:id="ctx0">
+      <inkml:inkSource xml:id="inkSrc0">
+        <inkml:traceFormat>
+          <inkml:channel name="X" type="integer" max="2560" units="cm"/>
+          <inkml:channel name="Y" type="integer" max="1440" units="cm"/>
+          <inkml:channel name="T" type="integer" max="2.14748E9" units="dev"/>
+        </inkml:traceFormat>
+        <inkml:channelProperties>
+          <inkml:channelProperty channel="X" name="resolution" value="42.03613" units="1/cm"/>
+          <inkml:channelProperty channel="Y" name="resolution" value="40.56338" units="1/cm"/>
+          <inkml:channelProperty channel="T" name="resolution" value="1" units="1/dev"/>
+        </inkml:channelProperties>
+      </inkml:inkSource>
+      <inkml:timestamp xml:id="ts0" timeString="2024-02-06T23:37:36.259"/>
+    </inkml:context>
+    <inkml:brush xml:id="br0">
+      <inkml:brushProperty name="width" value="0.05292" units="cm"/>
+      <inkml:brushProperty name="height" value="0.05292" units="cm"/>
+      <inkml:brushProperty name="color" value="#FF0000"/>
+    </inkml:brush>
+    <inkml:brush xml:id="br1">
+      <inkml:brushProperty name="width" value="0.05292" units="cm"/>
+      <inkml:brushProperty name="height" value="0.05292" units="cm"/>
+      <inkml:brushProperty name="color" value="#00B050"/>
+    </inkml:brush>
+  </inkml:definitions>
+  <inkml:trace contextRef="#ctx0" brushRef="#br0">23429 5120 0,'132'-27'78,"146"-118"-63,-265 131-15,291-144 16,-290 144-16,303-157 16,-304 157-16,278-144 15,-66 38 1,-172 94-1,-40 13-15,186-146 16,-173 146 0,27-27-1,-39 27 1</inkml:trace>
+  <inkml:trace contextRef="#ctx0" brushRef="#br0" timeOffset="1161.47">23733 4538 0,'-26'13'46,"-133"119"-14,40-53-17,-53 80 17,119-79-17,40-67 1,0 13-1,-14 1 1,27-1 0,0-13-1,-13-13 17,13 14-17,0-1 95,92 13-79,-78-12-16,-1-14-15,265 53 32,-93-40-17,-66-13 1,-106 0-16,27 13 16,-27-13-1,14 0 16,-14 13 1,0-13 15</inkml:trace>
+  <inkml:trace contextRef="#ctx0" brushRef="#br0" timeOffset="67951.64">26181 8731 0,'26'-39'125,"0"-1"-110,41-13 1,12-26 0,-26 26-1,53-27 1,-93 80-16,80-66 16,-1 0-1,-12 26 1,-67 27-16,66-13 15,1-14 1,-67 27-16,79-14 16,14 14-1,0-13 1,53-1 15,-93 40 0,-13 1-15,-40-14-16,40 26 16,26-13-1,-52 14 1,12-1 0,-39-13-16,27 1 15,-27-1-15,79 66 31,-52-52-15,-14-1 0,-13-13-1,13 27 1,40 13 0,-13 0-1,26-13 1,-13-1 15,-27 1-15,27 0-1,13 26 1,-39-53-16,39 40 16,13 0-1,-52-27 1,-14-26-1,14 14 1,-14-1 0,0-13-16,13 13 15,1 13 1,-40-26 171,13-26-171</inkml:trace>
+  <inkml:trace contextRef="#ctx0" brushRef="#br0" timeOffset="69008.36">28615 8718 0,'0'13'94,"13"14"-78,-13-14-16,26 27 15,-12-14 1,-1-13 0,-13 1-1,0-1 17,0 0-17,0 13 1,0-12-1,0-1 32,0 0-15,-13-13-1,-14 0-16,27 13 1,-13 1 0,0-14-1,13 13 1,-14-13 15,1 0-15,0 0-1,0 0 1,-14 0 15,1 0-15,-1 0 0,14 0-1,0 0 1</inkml:trace>
+  <inkml:trace contextRef="#ctx0" brushRef="#br0" timeOffset="69668.75">28615 8771 0,'0'13'78,"-27"27"-62,1 0-1,-1-14 1,1 14 0,13-27-1,-1 0 1</inkml:trace>
+  <inkml:trace contextRef="#ctx0" brushRef="#br0" timeOffset="125008.76">26485 10054 0,'13'0'94,"27"0"-63,-1-26-15,28-1 0,-15-26-1,54 27 1,27-14 0,-120 40-16,146-40 15,-146 40-15,146-13 16,39 13-1,-39 0 1,-27 0 0,-39 13-1,-27 14 1,93 13 15,-54-1 0,-91-12-15,12-1 0,-13-13-1,1 1 1,12-1 31,-13 40-16,-13-40-15,13-13-1,-13 13 1,14 1 0,-14-1 15,13 0 219,0 0-219,-13 14-15,13-27-1,-13 13 1,27-13 0,-14 0 62,-13 13-63,13-13 1</inkml:trace>
+  <inkml:trace contextRef="#ctx0" brushRef="#br0" timeOffset="125787.98">28416 10067 0,'27'40'47,"-1"0"-32,14 13 1,-14-27 0,-26-13-1,14 1 1,-14 12 46,0 1-46,-14-14 0,-52 0-1,26-13 1,27 0 0,-53 0-1,40 0 1,12 0-1</inkml:trace>
+  <inkml:trace contextRef="#ctx0" brushRef="#br0" timeOffset="127232.12">26524 11284 0,'14'0'94,"78"-79"-63,-12 13-15,26 13-1,-93 53-15,106-66 16,40 26 0,-146 40-16,146-39 15,184 52 17,-197 13-17,-27 1 1,0 26-1,-26-1 1,-27 1 0,-13-26-1,-40-14 1,14 14 0,-1 25-1,0-25 1,-12-27-16,-14 13 0,26 14 31,-13-14-15,14 27-1,12-14 1,-25-26-16,12 13 16,-13 0-1</inkml:trace>
+  <inkml:trace contextRef="#ctx0" brushRef="#br0" timeOffset="128115.25">28615 11390 0,'0'14'16,"0"-28"-16,0 41 15,0 26 1,0-27 0,26 27-1,-26-40 1,-13-13 140,-106 0-125,106 0-15,-106-26 0,92 26 15,14 0-16</inkml:trace>
+  <inkml:trace contextRef="#ctx0" brushRef="#br0" timeOffset="155865.09">26339 12528 0,'13'-13'94,"1"13"-78,-14-13-16,26-1 15,14 1 1,52-40 15,-39 27-15,0 12-1,13 1 1,-13-13 0,27 13-1,-1-1 1,-13 14-1,14 0 1,-14 0 0,-13 0-1,0 0 1,-14 0 0,41 14-1,-14 12 1,40 0-1,-14-12 1,1 12 0,13 27 15,-67-26-15,-25-27-16,39 26 15,-14 0 1,14 1-1,-53-14-15,13-13 16,1 13 0,-1-13-1,13 27 1,27-1 0,-26 1-1,12-1 1,1 1-1,-13-14 1,-1 0 0,-13-13 31,14 0 46,-14 0-46,0 0-16,0 0 16,1 0 31</inkml:trace>
+  <inkml:trace contextRef="#ctx0" brushRef="#br0" timeOffset="156615.65">28363 12660 0,'14'0'94,"-1"0"-78,40 40-1,-40-40 1,0 13 15,-13 0 16,0 14-16,-66 26 0,66-40-15,-26 14 0,12-27-1,14 13 1,-13-13 0,0 13-1,-14-13 1,14 26 15</inkml:trace>
+  <inkml:trace contextRef="#ctx0" brushRef="#br0" timeOffset="171199.27">26313 13639 0,'26'0'141,"-13"0"-126,27 0 1,13-13 0,79-27 15,-39 1-16,145 12 17,-106 14-17,-118 13-15,-1 0 0,106 0 16,26 0 0,-25 0-1,12 0 1,0 0-1,-119 0-15,133 0 16,-67 0 0,-13 0-1,-39 0 1,-14 13 0,27-13-1,-14 13 1,1 14-1,26-14 1,-27 0 15,1 1-15,-1-1 15,27 13 0,-53 1 32,13-27-47,-13 13 15,13-13 16,1 13-32,-1-13 1,13 13 0,-13-13 15,1 14 0,-1-1 0,0-13-15</inkml:trace>
+  <inkml:trace contextRef="#ctx0" brushRef="#br0" timeOffset="172000.68">28496 13613 0,'0'0'0,"39"13"63,-12 40-48,-1-27 1,14 1 15,-27-14 0,-13 14 1,0-14-17,0 0 1,0 0-1,-26-13 17,12 13-17,-25-13 17,26 0-17,-1 0 1,-39 0 15,27 0 0</inkml:trace>
+  <inkml:trace contextRef="#ctx0" brushRef="#br0" timeOffset="185206.58">26472 14737 0,'0'-13'125,"13"-13"-94,13-1 0,14 27-15,-40-13-1,66-14 1,-53 27 0,120-52-1,-120 52 1,159-40-1,26-13 17,-185 53-17,93-13 1,-92 13 0,65 0-1,-66 0-15,106 0 31,27 26 1,-14 1-1,-92-14 0,13-13-15,-14 13-1,1 0 1,13 1 0,-13 12-1,13-13 1,13 14 15,0 12 0,-40-12-15,-12-1 0,25-12-1,-39-1-15,13 0 16,27 40 0,-13-40-1,-1 14 16,-13-27-15,-13 13 15,13-13-15,1 13 46,-1 0-30,0 14-1</inkml:trace>
+  <inkml:trace contextRef="#ctx0" brushRef="#br0" timeOffset="186048.46">28509 14777 0,'13'0'47,"0"26"-31,14 27 15,-27-39-15,53 52-1,-40-53 1,13 13 0,-26-12 62,-13-1-47,-66 0 0,13 14-15,52-27-16,-91 13 31,91-13-15</inkml:trace>
+  <inkml:trace contextRef="#ctx0" brushRef="#br1" timeOffset="204979.33">29514 9618 0,'14'0'31,"-1"0"-15,26 0-1,-12 0 1,-1 0 0,40 0 15,-52 0-16,-1 0 17,0 0-1</inkml:trace>
+  <inkml:trace contextRef="#ctx0" brushRef="#br1" timeOffset="205992.33">29382 10993 0,'13'14'47,"14"-14"-31,79 26 15,-40-26-16,-27 13 1,27-13 0,-52 0-16,39 0 15,13 0 1,-53 0 0,-13 14 77</inkml:trace>
+  <inkml:trace contextRef="#ctx0" brushRef="#br1" timeOffset="206765.33">29422 12171 0,'13'0'62,"66"0"-46,-39 0 0,79 13-1,-26-13 1,-27 0-1</inkml:trace>
+  <inkml:trace contextRef="#ctx0" brushRef="#br1" timeOffset="207978.34">29845 15677 0,'13'0'47,"146"-14"-16,-66 1-15,12 13-1,-25-13 1,-14 0 0,-13 13-1,-13-14 1</inkml:trace>
+  <inkml:trace contextRef="#ctx0" brushRef="#br1" timeOffset="-152953.84">22582 6866 0,'0'13'94,"0"14"-78,0-1-1,0 27 1,0-13 0,0-1-1,0 1 1,0-13-1,0-14 1</inkml:trace>
+  <inkml:trace contextRef="#ctx0" brushRef="#br1" timeOffset="-151485.78">20042 6813 0,'40'0'94,"-14"0"-78,14-13-1,26 13 1,14 0 15,-67 0-15,0 0-1,-13 26 32,0 14-31,0-14 0,-66 14 15,66-27-31,-27 14 15,14-27 1,0 13 31,0-13-31,13 13-1,39-13 126,14 13-126,-13-13 1,39 0 15,-52 0-15,52 0 0,-39 0-1,-27 0 1</inkml:trace>
+  <inkml:trace contextRef="#ctx0" brushRef="#br1" timeOffset="-150363">17859 6800 0,'-39'0'78,"-120"26"-62,146-13 0,-146 40-1,93-39 16,53-14-15,26 13 62,13-13-62,1 0-16,26 0 15,0 0 1,-27 0 0,-13 0-16,0 0 15,1 0 1,-1 0 0,0 0-1,14 0 16</inkml:trace>
+  <inkml:trace contextRef="#ctx0" brushRef="#br1" timeOffset="-149847.33">17714 6734 0,'13'39'62,"-13"1"-46,0-27-16,0 53 15,0-52-15,13 65 16,-13 0 0,0-26-1,14-13 1,-14-27-1,0 0 1</inkml:trace>
+  <inkml:trace contextRef="#ctx0" brushRef="#br1" timeOffset="-148226.41">15161 6707 0,'-14'0'47,"-25"0"-16,12 0-16,14 0 1,0 0 0,13 27 15,39 52 0,-25-66-15,12 40-1,-13-40 1,14 40 0,-14-13-1,-13 0 17,0-27-1,-13 13-16,-14 14 1,1-13 0,13-27-1,-40 13 1,40-13 15,-1 0-15,-12 0 15,26-40-15,0 0-1,0-13 1,26 14 0,1 12-1,-14 14 1,13 0-1,-26 0-15,27-1 16,-1-25 0,1 25-1,-14-12 1,14 0 0,-27-1-1,0 14 1,0 0 15,0-1-15,0 1 15,-14 13-15,1 0-1</inkml:trace>
+  <inkml:trace contextRef="#ctx0" brushRef="#br1" timeOffset="-147396.35">12118 6839 0,'0'40'78,"0"26"-62,-13-66-16,13 53 16,0 13-1,0-39 1,0-14 0,0 0-1,0 14 1,0-14-1</inkml:trace>
+  <inkml:trace contextRef="#ctx0" brushRef="#br1" timeOffset="-146318.33">12290 6734 0,'0'53'78,"-27"105"-47,27-39 0,0-79-15,0 0-1,53-14 1,-26 1 0,52-14-1,-79 0-15,93 27 16,-40-27 0,-40-13-16,40 13 15,-13-13 1,12-13-1,-52-27 17,0 27-1,0 0-15,-13 13-16,13-27 15,-26 14 1,13 0-1,-1-13 1,-12 12 0,-1 1-1,1 13 1,-1 0 0,1-13-1,-53 13 1,65 0-16,-144 13 31,52 27 0</inkml:trace>
+  <inkml:trace contextRef="#ctx0" brushRef="#br1" timeOffset="-144131.4">9604 6932 0,'27'0'109,"-1"-26"-93,-12 26-16,12-27 16,14 14-1,-27 13-15,40-13 16,66 13-1,-13 0 1,-27 13 0,-52 0-1,12 14 1,-39-1 0,13 14-1,-13 13 1,-52 13-1,38-66-15,1 26 16,-132 40 0,39-39-1,79-27-15,-39 0 16,26 0 0,40-13 15,27-40 0,-1 40-15,-26-1-1,119 14 1,27 0 15,-120 14 0,-26-1-15,14 53 0,-14-53-1,-27 80 1,-52-1 31,13-52-32,26-27 1,27-13 0,-27 13-1,27-13-15</inkml:trace>
+  <inkml:trace contextRef="#ctx0" brushRef="#br1" timeOffset="-143081.49">10226 6945 0,'13'-13'78,"40"13"-62,0 0 0,66 0-1,-105 0-15,91 0 16,-12 40-1,-27-27 1,-39 0 0,-27 14-1,0 26 1,-14-27 0,-12 1-1,-54 25 1,-25-12-1,91-27-15,-131 27 16,-93 13 15,211-53-15,54 13 93,39-13-93,-53 0-16,119 0 16,27 0-1,-13 0 1,-54 0-1,-65 0 17</inkml:trace>
+</inkml:ink>
+</file>
+
 <file path=ppt/notesMasters/notesMaster1.xml><?xml version="1.0" encoding="utf-8"?>
 <p:notesMaster xmlns:a="http://schemas.openxmlformats.org/drawingml/2006/main" xmlns:r="http://schemas.openxmlformats.org/officeDocument/2006/relationships" xmlns:p="http://schemas.openxmlformats.org/presentationml/2006/main">
   <p:cSld>
@@ -224,7 +343,7 @@
           <a:p>
             <a:fld id="{F666E1FD-E7A0-497B-BBC0-740BAAC97C64}" type="datetimeFigureOut">
               <a:rPr lang="en-PH" smtClean="0"/>
-              <a:t>2/6/24</a:t>
+              <a:t>07/02/2024</a:t>
             </a:fld>
             <a:endParaRPr lang="en-PH"/>
           </a:p>
@@ -2237,7 +2356,7 @@
           <a:p>
             <a:fld id="{0CCF0B81-6BD8-4C65-9459-815598C5F1F4}" type="datetimeFigureOut">
               <a:rPr lang="en-PH" smtClean="0"/>
-              <a:t>2/6/24</a:t>
+              <a:t>07/02/2024</a:t>
             </a:fld>
             <a:endParaRPr lang="en-PH"/>
           </a:p>
@@ -2437,7 +2556,7 @@
           <a:p>
             <a:fld id="{0CCF0B81-6BD8-4C65-9459-815598C5F1F4}" type="datetimeFigureOut">
               <a:rPr lang="en-PH" smtClean="0"/>
-              <a:t>2/6/24</a:t>
+              <a:t>07/02/2024</a:t>
             </a:fld>
             <a:endParaRPr lang="en-PH"/>
           </a:p>
@@ -2647,7 +2766,7 @@
           <a:p>
             <a:fld id="{0CCF0B81-6BD8-4C65-9459-815598C5F1F4}" type="datetimeFigureOut">
               <a:rPr lang="en-PH" smtClean="0"/>
-              <a:t>2/6/24</a:t>
+              <a:t>07/02/2024</a:t>
             </a:fld>
             <a:endParaRPr lang="en-PH"/>
           </a:p>
@@ -2847,7 +2966,7 @@
           <a:p>
             <a:fld id="{0CCF0B81-6BD8-4C65-9459-815598C5F1F4}" type="datetimeFigureOut">
               <a:rPr lang="en-PH" smtClean="0"/>
-              <a:t>2/6/24</a:t>
+              <a:t>07/02/2024</a:t>
             </a:fld>
             <a:endParaRPr lang="en-PH"/>
           </a:p>
@@ -3123,7 +3242,7 @@
           <a:p>
             <a:fld id="{0CCF0B81-6BD8-4C65-9459-815598C5F1F4}" type="datetimeFigureOut">
               <a:rPr lang="en-PH" smtClean="0"/>
-              <a:t>2/6/24</a:t>
+              <a:t>07/02/2024</a:t>
             </a:fld>
             <a:endParaRPr lang="en-PH"/>
           </a:p>
@@ -3391,7 +3510,7 @@
           <a:p>
             <a:fld id="{0CCF0B81-6BD8-4C65-9459-815598C5F1F4}" type="datetimeFigureOut">
               <a:rPr lang="en-PH" smtClean="0"/>
-              <a:t>2/6/24</a:t>
+              <a:t>07/02/2024</a:t>
             </a:fld>
             <a:endParaRPr lang="en-PH"/>
           </a:p>
@@ -3806,7 +3925,7 @@
           <a:p>
             <a:fld id="{0CCF0B81-6BD8-4C65-9459-815598C5F1F4}" type="datetimeFigureOut">
               <a:rPr lang="en-PH" smtClean="0"/>
-              <a:t>2/6/24</a:t>
+              <a:t>07/02/2024</a:t>
             </a:fld>
             <a:endParaRPr lang="en-PH"/>
           </a:p>
@@ -3948,7 +4067,7 @@
           <a:p>
             <a:fld id="{0CCF0B81-6BD8-4C65-9459-815598C5F1F4}" type="datetimeFigureOut">
               <a:rPr lang="en-PH" smtClean="0"/>
-              <a:t>2/6/24</a:t>
+              <a:t>07/02/2024</a:t>
             </a:fld>
             <a:endParaRPr lang="en-PH"/>
           </a:p>
@@ -4061,7 +4180,7 @@
           <a:p>
             <a:fld id="{0CCF0B81-6BD8-4C65-9459-815598C5F1F4}" type="datetimeFigureOut">
               <a:rPr lang="en-PH" smtClean="0"/>
-              <a:t>2/6/24</a:t>
+              <a:t>07/02/2024</a:t>
             </a:fld>
             <a:endParaRPr lang="en-PH"/>
           </a:p>
@@ -4374,7 +4493,7 @@
           <a:p>
             <a:fld id="{0CCF0B81-6BD8-4C65-9459-815598C5F1F4}" type="datetimeFigureOut">
               <a:rPr lang="en-PH" smtClean="0"/>
-              <a:t>2/6/24</a:t>
+              <a:t>07/02/2024</a:t>
             </a:fld>
             <a:endParaRPr lang="en-PH"/>
           </a:p>
@@ -4663,7 +4782,7 @@
           <a:p>
             <a:fld id="{0CCF0B81-6BD8-4C65-9459-815598C5F1F4}" type="datetimeFigureOut">
               <a:rPr lang="en-PH" smtClean="0"/>
-              <a:t>2/6/24</a:t>
+              <a:t>07/02/2024</a:t>
             </a:fld>
             <a:endParaRPr lang="en-PH"/>
           </a:p>
@@ -4906,7 +5025,7 @@
           <a:p>
             <a:fld id="{0CCF0B81-6BD8-4C65-9459-815598C5F1F4}" type="datetimeFigureOut">
               <a:rPr lang="en-PH" smtClean="0"/>
-              <a:t>2/6/24</a:t>
+              <a:t>07/02/2024</a:t>
             </a:fld>
             <a:endParaRPr lang="en-PH"/>
           </a:p>
@@ -6555,8 +6674,8 @@
           </a:fontRef>
         </p:style>
       </p:cxnSp>
-      <mc:AlternateContent xmlns:mc="http://schemas.openxmlformats.org/markup-compatibility/2006">
-        <mc:Choice xmlns:a14="http://schemas.microsoft.com/office/drawing/2010/main" Requires="a14">
+      <mc:AlternateContent xmlns:mc="http://schemas.openxmlformats.org/markup-compatibility/2006" xmlns:a14="http://schemas.microsoft.com/office/drawing/2010/main">
+        <mc:Choice Requires="a14">
           <p:sp>
             <p:nvSpPr>
               <p:cNvPr id="16" name="TextBox 15">
@@ -6585,7 +6704,6 @@
               </a:bodyPr>
               <a:lstStyle/>
               <a:p>
-                <a:pPr/>
                 <a:r>
                   <a:rPr lang="en-US" sz="2000" dirty="0"/>
                   <a:t>1 x </a:t>
@@ -6627,7 +6745,7 @@
             </p:txBody>
           </p:sp>
         </mc:Choice>
-        <mc:Fallback>
+        <mc:Fallback xmlns="">
           <p:sp>
             <p:nvSpPr>
               <p:cNvPr id="16" name="TextBox 15">
@@ -6716,8 +6834,8 @@
           </a:fontRef>
         </p:style>
       </p:cxnSp>
-      <mc:AlternateContent xmlns:mc="http://schemas.openxmlformats.org/markup-compatibility/2006">
-        <mc:Choice xmlns:a14="http://schemas.microsoft.com/office/drawing/2010/main" Requires="a14">
+      <mc:AlternateContent xmlns:mc="http://schemas.openxmlformats.org/markup-compatibility/2006" xmlns:a14="http://schemas.microsoft.com/office/drawing/2010/main">
+        <mc:Choice Requires="a14">
           <p:sp>
             <p:nvSpPr>
               <p:cNvPr id="18" name="TextBox 17">
@@ -6746,7 +6864,6 @@
               </a:bodyPr>
               <a:lstStyle/>
               <a:p>
-                <a:pPr/>
                 <a:r>
                   <a:rPr lang="en-US" sz="2000" dirty="0"/>
                   <a:t>1 x </a:t>
@@ -6788,7 +6905,7 @@
             </p:txBody>
           </p:sp>
         </mc:Choice>
-        <mc:Fallback>
+        <mc:Fallback xmlns="">
           <p:sp>
             <p:nvSpPr>
               <p:cNvPr id="18" name="TextBox 17">
@@ -6877,8 +6994,8 @@
           </a:fontRef>
         </p:style>
       </p:cxnSp>
-      <mc:AlternateContent xmlns:mc="http://schemas.openxmlformats.org/markup-compatibility/2006">
-        <mc:Choice xmlns:a14="http://schemas.microsoft.com/office/drawing/2010/main" Requires="a14">
+      <mc:AlternateContent xmlns:mc="http://schemas.openxmlformats.org/markup-compatibility/2006" xmlns:a14="http://schemas.microsoft.com/office/drawing/2010/main">
+        <mc:Choice Requires="a14">
           <p:sp>
             <p:nvSpPr>
               <p:cNvPr id="21" name="TextBox 20">
@@ -6907,7 +7024,6 @@
               </a:bodyPr>
               <a:lstStyle/>
               <a:p>
-                <a:pPr/>
                 <a:r>
                   <a:rPr lang="en-US" sz="2000" dirty="0"/>
                   <a:t>1 x </a:t>
@@ -6949,7 +7065,7 @@
             </p:txBody>
           </p:sp>
         </mc:Choice>
-        <mc:Fallback>
+        <mc:Fallback xmlns="">
           <p:sp>
             <p:nvSpPr>
               <p:cNvPr id="21" name="TextBox 20">
@@ -7038,8 +7154,8 @@
           </a:fontRef>
         </p:style>
       </p:cxnSp>
-      <mc:AlternateContent xmlns:mc="http://schemas.openxmlformats.org/markup-compatibility/2006">
-        <mc:Choice xmlns:a14="http://schemas.microsoft.com/office/drawing/2010/main" Requires="a14">
+      <mc:AlternateContent xmlns:mc="http://schemas.openxmlformats.org/markup-compatibility/2006" xmlns:a14="http://schemas.microsoft.com/office/drawing/2010/main">
+        <mc:Choice Requires="a14">
           <p:sp>
             <p:nvSpPr>
               <p:cNvPr id="24" name="TextBox 23">
@@ -7068,7 +7184,6 @@
               </a:bodyPr>
               <a:lstStyle/>
               <a:p>
-                <a:pPr/>
                 <a:r>
                   <a:rPr lang="en-US" sz="2000" dirty="0"/>
                   <a:t>0 x </a:t>
@@ -7110,7 +7225,7 @@
             </p:txBody>
           </p:sp>
         </mc:Choice>
-        <mc:Fallback>
+        <mc:Fallback xmlns="">
           <p:sp>
             <p:nvSpPr>
               <p:cNvPr id="24" name="TextBox 23">
@@ -7199,8 +7314,8 @@
           </a:fontRef>
         </p:style>
       </p:cxnSp>
-      <mc:AlternateContent xmlns:mc="http://schemas.openxmlformats.org/markup-compatibility/2006">
-        <mc:Choice xmlns:a14="http://schemas.microsoft.com/office/drawing/2010/main" Requires="a14">
+      <mc:AlternateContent xmlns:mc="http://schemas.openxmlformats.org/markup-compatibility/2006" xmlns:a14="http://schemas.microsoft.com/office/drawing/2010/main">
+        <mc:Choice Requires="a14">
           <p:sp>
             <p:nvSpPr>
               <p:cNvPr id="27" name="TextBox 26">
@@ -7229,7 +7344,6 @@
               </a:bodyPr>
               <a:lstStyle/>
               <a:p>
-                <a:pPr/>
                 <a:r>
                   <a:rPr lang="en-US" sz="2000" dirty="0"/>
                   <a:t>0 x </a:t>
@@ -7271,7 +7385,7 @@
             </p:txBody>
           </p:sp>
         </mc:Choice>
-        <mc:Fallback>
+        <mc:Fallback xmlns="">
           <p:sp>
             <p:nvSpPr>
               <p:cNvPr id="27" name="TextBox 26">
@@ -7360,8 +7474,8 @@
           </a:fontRef>
         </p:style>
       </p:cxnSp>
-      <mc:AlternateContent xmlns:mc="http://schemas.openxmlformats.org/markup-compatibility/2006">
-        <mc:Choice xmlns:a14="http://schemas.microsoft.com/office/drawing/2010/main" Requires="a14">
+      <mc:AlternateContent xmlns:mc="http://schemas.openxmlformats.org/markup-compatibility/2006" xmlns:a14="http://schemas.microsoft.com/office/drawing/2010/main">
+        <mc:Choice Requires="a14">
           <p:sp>
             <p:nvSpPr>
               <p:cNvPr id="31" name="TextBox 30">
@@ -7390,7 +7504,6 @@
               </a:bodyPr>
               <a:lstStyle/>
               <a:p>
-                <a:pPr/>
                 <a:r>
                   <a:rPr lang="en-US" sz="2000" dirty="0"/>
                   <a:t>1 x </a:t>
@@ -7432,7 +7545,7 @@
             </p:txBody>
           </p:sp>
         </mc:Choice>
-        <mc:Fallback>
+        <mc:Fallback xmlns="">
           <p:sp>
             <p:nvSpPr>
               <p:cNvPr id="31" name="TextBox 30">
@@ -7575,7 +7688,6 @@
           </a:bodyPr>
           <a:lstStyle/>
           <a:p>
-            <a:pPr/>
             <a:r>
               <a:rPr lang="en-GB" sz="2000" b="1" dirty="0">
                 <a:solidFill>
@@ -7740,6 +7852,57 @@
           </a:p>
         </p:txBody>
       </p:sp>
+      <mc:AlternateContent xmlns:mc="http://schemas.openxmlformats.org/markup-compatibility/2006">
+        <mc:Choice xmlns:p14="http://schemas.microsoft.com/office/powerpoint/2010/main" Requires="p14">
+          <p:contentPart p14:bwMode="auto" r:id="rId10">
+            <p14:nvContentPartPr>
+              <p14:cNvPr id="4" name="Ink 3">
+                <a:extLst>
+                  <a:ext uri="{FF2B5EF4-FFF2-40B4-BE49-F238E27FC236}">
+                    <a16:creationId xmlns:a16="http://schemas.microsoft.com/office/drawing/2014/main" id="{7A9EDC85-B0F7-270A-9B52-8D5C41A20E32}"/>
+                  </a:ext>
+                </a:extLst>
+              </p14:cNvPr>
+              <p14:cNvContentPartPr/>
+              <p14:nvPr/>
+            </p14:nvContentPartPr>
+            <p14:xfrm>
+              <a:off x="3457440" y="1452600"/>
+              <a:ext cx="7506360" cy="4191480"/>
+            </p14:xfrm>
+          </p:contentPart>
+        </mc:Choice>
+        <mc:Fallback>
+          <p:pic>
+            <p:nvPicPr>
+              <p:cNvPr id="4" name="Ink 3">
+                <a:extLst>
+                  <a:ext uri="{FF2B5EF4-FFF2-40B4-BE49-F238E27FC236}">
+                    <a16:creationId xmlns:a16="http://schemas.microsoft.com/office/drawing/2014/main" id="{7A9EDC85-B0F7-270A-9B52-8D5C41A20E32}"/>
+                  </a:ext>
+                </a:extLst>
+              </p:cNvPr>
+              <p:cNvPicPr/>
+              <p:nvPr/>
+            </p:nvPicPr>
+            <p:blipFill>
+              <a:blip r:embed="rId11"/>
+              <a:stretch>
+                <a:fillRect/>
+              </a:stretch>
+            </p:blipFill>
+            <p:spPr>
+              <a:xfrm>
+                <a:off x="3448080" y="1443240"/>
+                <a:ext cx="7525080" cy="4210200"/>
+              </a:xfrm>
+              <a:prstGeom prst="rect">
+                <a:avLst/>
+              </a:prstGeom>
+            </p:spPr>
+          </p:pic>
+        </mc:Fallback>
+      </mc:AlternateContent>
     </p:spTree>
     <p:extLst>
       <p:ext uri="{BB962C8B-B14F-4D97-AF65-F5344CB8AC3E}">
@@ -8754,7 +8917,15 @@
             <a:pPr fontAlgn="base"/>
             <a:r>
               <a:rPr lang="en-PH" sz="2400" dirty="0"/>
-              <a:t>To convert a number from the binary to the decimal system, </a:t>
+              <a:t>To convert a number from the decimal to </a:t>
+            </a:r>
+            <a:r>
+              <a:rPr lang="en-PH" sz="2400"/>
+              <a:t>the octal </a:t>
+            </a:r>
+            <a:r>
+              <a:rPr lang="en-PH" sz="2400" dirty="0"/>
+              <a:t>system, </a:t>
             </a:r>
           </a:p>
           <a:p>
@@ -9867,8 +10038,8 @@
           </a:fontRef>
         </p:style>
       </p:cxnSp>
-      <mc:AlternateContent xmlns:mc="http://schemas.openxmlformats.org/markup-compatibility/2006">
-        <mc:Choice xmlns:a14="http://schemas.microsoft.com/office/drawing/2010/main" Requires="a14">
+      <mc:AlternateContent xmlns:mc="http://schemas.openxmlformats.org/markup-compatibility/2006" xmlns:a14="http://schemas.microsoft.com/office/drawing/2010/main">
+        <mc:Choice Requires="a14">
           <p:sp>
             <p:nvSpPr>
               <p:cNvPr id="88" name="TextBox 87">
@@ -9897,7 +10068,6 @@
               </a:bodyPr>
               <a:lstStyle/>
               <a:p>
-                <a:pPr/>
                 <a:r>
                   <a:rPr lang="en-GB" sz="3000" b="1" dirty="0">
                     <a:solidFill>
@@ -9953,7 +10123,7 @@
             </p:txBody>
           </p:sp>
         </mc:Choice>
-        <mc:Fallback>
+        <mc:Fallback xmlns="">
           <p:sp>
             <p:nvSpPr>
               <p:cNvPr id="88" name="TextBox 87">
@@ -11081,8 +11251,8 @@
           </a:fontRef>
         </p:style>
       </p:cxnSp>
-      <mc:AlternateContent xmlns:mc="http://schemas.openxmlformats.org/markup-compatibility/2006">
-        <mc:Choice xmlns:a14="http://schemas.microsoft.com/office/drawing/2010/main" Requires="a14">
+      <mc:AlternateContent xmlns:mc="http://schemas.openxmlformats.org/markup-compatibility/2006" xmlns:a14="http://schemas.microsoft.com/office/drawing/2010/main">
+        <mc:Choice Requires="a14">
           <p:sp>
             <p:nvSpPr>
               <p:cNvPr id="16" name="TextBox 15">
@@ -11152,7 +11322,7 @@
             </p:txBody>
           </p:sp>
         </mc:Choice>
-        <mc:Fallback>
+        <mc:Fallback xmlns="">
           <p:sp>
             <p:nvSpPr>
               <p:cNvPr id="16" name="TextBox 15">
@@ -11241,8 +11411,8 @@
           </a:fontRef>
         </p:style>
       </p:cxnSp>
-      <mc:AlternateContent xmlns:mc="http://schemas.openxmlformats.org/markup-compatibility/2006">
-        <mc:Choice xmlns:a14="http://schemas.microsoft.com/office/drawing/2010/main" Requires="a14">
+      <mc:AlternateContent xmlns:mc="http://schemas.openxmlformats.org/markup-compatibility/2006" xmlns:a14="http://schemas.microsoft.com/office/drawing/2010/main">
+        <mc:Choice Requires="a14">
           <p:sp>
             <p:nvSpPr>
               <p:cNvPr id="18" name="TextBox 17">
@@ -11312,7 +11482,7 @@
             </p:txBody>
           </p:sp>
         </mc:Choice>
-        <mc:Fallback>
+        <mc:Fallback xmlns="">
           <p:sp>
             <p:nvSpPr>
               <p:cNvPr id="18" name="TextBox 17">
@@ -11401,8 +11571,8 @@
           </a:fontRef>
         </p:style>
       </p:cxnSp>
-      <mc:AlternateContent xmlns:mc="http://schemas.openxmlformats.org/markup-compatibility/2006">
-        <mc:Choice xmlns:a14="http://schemas.microsoft.com/office/drawing/2010/main" Requires="a14">
+      <mc:AlternateContent xmlns:mc="http://schemas.openxmlformats.org/markup-compatibility/2006" xmlns:a14="http://schemas.microsoft.com/office/drawing/2010/main">
+        <mc:Choice Requires="a14">
           <p:sp>
             <p:nvSpPr>
               <p:cNvPr id="21" name="TextBox 20">
@@ -11472,7 +11642,7 @@
             </p:txBody>
           </p:sp>
         </mc:Choice>
-        <mc:Fallback>
+        <mc:Fallback xmlns="">
           <p:sp>
             <p:nvSpPr>
               <p:cNvPr id="21" name="TextBox 20">
@@ -11561,8 +11731,8 @@
           </a:fontRef>
         </p:style>
       </p:cxnSp>
-      <mc:AlternateContent xmlns:mc="http://schemas.openxmlformats.org/markup-compatibility/2006">
-        <mc:Choice xmlns:a14="http://schemas.microsoft.com/office/drawing/2010/main" Requires="a14">
+      <mc:AlternateContent xmlns:mc="http://schemas.openxmlformats.org/markup-compatibility/2006" xmlns:a14="http://schemas.microsoft.com/office/drawing/2010/main">
+        <mc:Choice Requires="a14">
           <p:sp>
             <p:nvSpPr>
               <p:cNvPr id="24" name="TextBox 23">
@@ -11632,7 +11802,7 @@
             </p:txBody>
           </p:sp>
         </mc:Choice>
-        <mc:Fallback>
+        <mc:Fallback xmlns="">
           <p:sp>
             <p:nvSpPr>
               <p:cNvPr id="24" name="TextBox 23">
@@ -11721,8 +11891,8 @@
           </a:fontRef>
         </p:style>
       </p:cxnSp>
-      <mc:AlternateContent xmlns:mc="http://schemas.openxmlformats.org/markup-compatibility/2006">
-        <mc:Choice xmlns:a14="http://schemas.microsoft.com/office/drawing/2010/main" Requires="a14">
+      <mc:AlternateContent xmlns:mc="http://schemas.openxmlformats.org/markup-compatibility/2006" xmlns:a14="http://schemas.microsoft.com/office/drawing/2010/main">
+        <mc:Choice Requires="a14">
           <p:sp>
             <p:nvSpPr>
               <p:cNvPr id="27" name="TextBox 26">
@@ -11792,7 +11962,7 @@
             </p:txBody>
           </p:sp>
         </mc:Choice>
-        <mc:Fallback>
+        <mc:Fallback xmlns="">
           <p:sp>
             <p:nvSpPr>
               <p:cNvPr id="27" name="TextBox 26">
@@ -11881,8 +12051,8 @@
           </a:fontRef>
         </p:style>
       </p:cxnSp>
-      <mc:AlternateContent xmlns:mc="http://schemas.openxmlformats.org/markup-compatibility/2006">
-        <mc:Choice xmlns:a14="http://schemas.microsoft.com/office/drawing/2010/main" Requires="a14">
+      <mc:AlternateContent xmlns:mc="http://schemas.openxmlformats.org/markup-compatibility/2006" xmlns:a14="http://schemas.microsoft.com/office/drawing/2010/main">
+        <mc:Choice Requires="a14">
           <p:sp>
             <p:nvSpPr>
               <p:cNvPr id="31" name="TextBox 30">
@@ -11952,7 +12122,7 @@
             </p:txBody>
           </p:sp>
         </mc:Choice>
-        <mc:Fallback>
+        <mc:Fallback xmlns="">
           <p:sp>
             <p:nvSpPr>
               <p:cNvPr id="31" name="TextBox 30">
@@ -12067,8 +12237,8 @@
           </a:p>
         </p:txBody>
       </p:sp>
-      <mc:AlternateContent xmlns:mc="http://schemas.openxmlformats.org/markup-compatibility/2006">
-        <mc:Choice xmlns:a14="http://schemas.microsoft.com/office/drawing/2010/main" Requires="a14">
+      <mc:AlternateContent xmlns:mc="http://schemas.openxmlformats.org/markup-compatibility/2006" xmlns:a14="http://schemas.microsoft.com/office/drawing/2010/main">
+        <mc:Choice Requires="a14">
           <p:sp>
             <p:nvSpPr>
               <p:cNvPr id="36" name="TextBox 35">
@@ -12152,7 +12322,7 @@
             </p:txBody>
           </p:sp>
         </mc:Choice>
-        <mc:Fallback>
+        <mc:Fallback xmlns="">
           <p:sp>
             <p:nvSpPr>
               <p:cNvPr id="36" name="TextBox 35">
@@ -12601,8 +12771,8 @@
           </a:fontRef>
         </p:style>
       </p:cxnSp>
-      <mc:AlternateContent xmlns:mc="http://schemas.openxmlformats.org/markup-compatibility/2006">
-        <mc:Choice xmlns:a14="http://schemas.microsoft.com/office/drawing/2010/main" Requires="a14">
+      <mc:AlternateContent xmlns:mc="http://schemas.openxmlformats.org/markup-compatibility/2006" xmlns:a14="http://schemas.microsoft.com/office/drawing/2010/main">
+        <mc:Choice Requires="a14">
           <p:sp>
             <p:nvSpPr>
               <p:cNvPr id="50" name="TextBox 49">
@@ -12672,7 +12842,7 @@
             </p:txBody>
           </p:sp>
         </mc:Choice>
-        <mc:Fallback>
+        <mc:Fallback xmlns="">
           <p:sp>
             <p:nvSpPr>
               <p:cNvPr id="50" name="TextBox 49">
@@ -12761,8 +12931,8 @@
           </a:fontRef>
         </p:style>
       </p:cxnSp>
-      <mc:AlternateContent xmlns:mc="http://schemas.openxmlformats.org/markup-compatibility/2006">
-        <mc:Choice xmlns:a14="http://schemas.microsoft.com/office/drawing/2010/main" Requires="a14">
+      <mc:AlternateContent xmlns:mc="http://schemas.openxmlformats.org/markup-compatibility/2006" xmlns:a14="http://schemas.microsoft.com/office/drawing/2010/main">
+        <mc:Choice Requires="a14">
           <p:sp>
             <p:nvSpPr>
               <p:cNvPr id="54" name="TextBox 53">
@@ -12832,7 +13002,7 @@
             </p:txBody>
           </p:sp>
         </mc:Choice>
-        <mc:Fallback>
+        <mc:Fallback xmlns="">
           <p:sp>
             <p:nvSpPr>
               <p:cNvPr id="54" name="TextBox 53">
@@ -12921,8 +13091,8 @@
           </a:fontRef>
         </p:style>
       </p:cxnSp>
-      <mc:AlternateContent xmlns:mc="http://schemas.openxmlformats.org/markup-compatibility/2006">
-        <mc:Choice xmlns:a14="http://schemas.microsoft.com/office/drawing/2010/main" Requires="a14">
+      <mc:AlternateContent xmlns:mc="http://schemas.openxmlformats.org/markup-compatibility/2006" xmlns:a14="http://schemas.microsoft.com/office/drawing/2010/main">
+        <mc:Choice Requires="a14">
           <p:sp>
             <p:nvSpPr>
               <p:cNvPr id="67" name="TextBox 66">
@@ -12992,7 +13162,7 @@
             </p:txBody>
           </p:sp>
         </mc:Choice>
-        <mc:Fallback>
+        <mc:Fallback xmlns="">
           <p:sp>
             <p:nvSpPr>
               <p:cNvPr id="67" name="TextBox 66">
@@ -13081,8 +13251,8 @@
           </a:fontRef>
         </p:style>
       </p:cxnSp>
-      <mc:AlternateContent xmlns:mc="http://schemas.openxmlformats.org/markup-compatibility/2006">
-        <mc:Choice xmlns:a14="http://schemas.microsoft.com/office/drawing/2010/main" Requires="a14">
+      <mc:AlternateContent xmlns:mc="http://schemas.openxmlformats.org/markup-compatibility/2006" xmlns:a14="http://schemas.microsoft.com/office/drawing/2010/main">
+        <mc:Choice Requires="a14">
           <p:sp>
             <p:nvSpPr>
               <p:cNvPr id="70" name="TextBox 69">
@@ -13152,7 +13322,7 @@
             </p:txBody>
           </p:sp>
         </mc:Choice>
-        <mc:Fallback>
+        <mc:Fallback xmlns="">
           <p:sp>
             <p:nvSpPr>
               <p:cNvPr id="70" name="TextBox 69">
@@ -14964,8 +15134,8 @@
           </a:fontRef>
         </p:style>
       </p:cxnSp>
-      <mc:AlternateContent xmlns:mc="http://schemas.openxmlformats.org/markup-compatibility/2006">
-        <mc:Choice xmlns:a14="http://schemas.microsoft.com/office/drawing/2010/main" Requires="a14">
+      <mc:AlternateContent xmlns:mc="http://schemas.openxmlformats.org/markup-compatibility/2006" xmlns:a14="http://schemas.microsoft.com/office/drawing/2010/main">
+        <mc:Choice Requires="a14">
           <p:sp>
             <p:nvSpPr>
               <p:cNvPr id="88" name="TextBox 87">
@@ -15067,7 +15237,7 @@
             </p:txBody>
           </p:sp>
         </mc:Choice>
-        <mc:Fallback>
+        <mc:Fallback xmlns="">
           <p:sp>
             <p:nvSpPr>
               <p:cNvPr id="88" name="TextBox 87">
@@ -16764,8 +16934,8 @@
           </a:p>
         </p:txBody>
       </p:sp>
-      <mc:AlternateContent xmlns:mc="http://schemas.openxmlformats.org/markup-compatibility/2006">
-        <mc:Choice xmlns:a14="http://schemas.microsoft.com/office/drawing/2010/main" Requires="a14">
+      <mc:AlternateContent xmlns:mc="http://schemas.openxmlformats.org/markup-compatibility/2006" xmlns:a14="http://schemas.microsoft.com/office/drawing/2010/main">
+        <mc:Choice Requires="a14">
           <p:sp>
             <p:nvSpPr>
               <p:cNvPr id="30" name="TextBox 29">
@@ -16834,7 +17004,7 @@
             </p:txBody>
           </p:sp>
         </mc:Choice>
-        <mc:Fallback>
+        <mc:Fallback xmlns="">
           <p:sp>
             <p:nvSpPr>
               <p:cNvPr id="30" name="TextBox 29">
@@ -17917,8 +18087,8 @@
           </a:graphicData>
         </a:graphic>
       </p:graphicFrame>
-      <mc:AlternateContent xmlns:mc="http://schemas.openxmlformats.org/markup-compatibility/2006">
-        <mc:Choice xmlns:a14="http://schemas.microsoft.com/office/drawing/2010/main" Requires="a14">
+      <mc:AlternateContent xmlns:mc="http://schemas.openxmlformats.org/markup-compatibility/2006" xmlns:a14="http://schemas.microsoft.com/office/drawing/2010/main">
+        <mc:Choice Requires="a14">
           <p:sp>
             <p:nvSpPr>
               <p:cNvPr id="7" name="TextBox 6">
@@ -17987,7 +18157,7 @@
             </p:txBody>
           </p:sp>
         </mc:Choice>
-        <mc:Fallback>
+        <mc:Fallback xmlns="">
           <p:sp>
             <p:nvSpPr>
               <p:cNvPr id="7" name="TextBox 6">
@@ -19084,8 +19254,8 @@
           </a:graphicData>
         </a:graphic>
       </p:graphicFrame>
-      <mc:AlternateContent xmlns:mc="http://schemas.openxmlformats.org/markup-compatibility/2006">
-        <mc:Choice xmlns:a14="http://schemas.microsoft.com/office/drawing/2010/main" Requires="a14">
+      <mc:AlternateContent xmlns:mc="http://schemas.openxmlformats.org/markup-compatibility/2006" xmlns:a14="http://schemas.microsoft.com/office/drawing/2010/main">
+        <mc:Choice Requires="a14">
           <p:sp>
             <p:nvSpPr>
               <p:cNvPr id="10" name="TextBox 9">
@@ -19154,7 +19324,7 @@
             </p:txBody>
           </p:sp>
         </mc:Choice>
-        <mc:Fallback>
+        <mc:Fallback xmlns="">
           <p:sp>
             <p:nvSpPr>
               <p:cNvPr id="10" name="TextBox 9">
@@ -20443,7 +20613,7 @@
                       <m:sSub>
                         <m:sSubPr>
                           <m:ctrlPr>
-                            <a:rPr lang="en-US" sz="7000" smtClean="0">
+                            <a:rPr lang="en-US" sz="7000" i="1" smtClean="0">
                               <a:latin typeface="Cambria Math" panose="02040503050406030204" pitchFamily="18" charset="0"/>
                             </a:rPr>
                           </m:ctrlPr>
@@ -20467,10 +20637,10 @@
                         </m:e>
                         <m:sub>
                           <m:r>
-                            <a:rPr lang="en-GB" sz="7000" b="0" i="0" smtClean="0">
+                            <a:rPr lang="en-US" sz="7000" b="0" i="0" smtClean="0">
                               <a:latin typeface="Cambria Math" panose="02040503050406030204" pitchFamily="18" charset="0"/>
                             </a:rPr>
-                            <m:t>8</m:t>
+                            <m:t>16</m:t>
                           </m:r>
                         </m:sub>
                       </m:sSub>
@@ -20508,7 +20678,7 @@
               <a:blipFill>
                 <a:blip r:embed="rId4"/>
                 <a:stretch>
-                  <a:fillRect b="-8511"/>
+                  <a:fillRect/>
                 </a:stretch>
               </a:blipFill>
             </p:spPr>
@@ -20517,7 +20687,7 @@
               <a:lstStyle/>
               <a:p>
                 <a:r>
-                  <a:rPr lang="en-US">
+                  <a:rPr lang="en-PH">
                     <a:noFill/>
                   </a:rPr>
                   <a:t> </a:t>
@@ -20616,6 +20786,57 @@
           </a:p>
         </p:txBody>
       </p:sp>
+      <mc:AlternateContent xmlns:mc="http://schemas.openxmlformats.org/markup-compatibility/2006">
+        <mc:Choice xmlns:p14="http://schemas.microsoft.com/office/powerpoint/2010/main" Requires="p14">
+          <p:contentPart p14:bwMode="auto" r:id="rId5">
+            <p14:nvContentPartPr>
+              <p14:cNvPr id="2" name="Ink 1">
+                <a:extLst>
+                  <a:ext uri="{FF2B5EF4-FFF2-40B4-BE49-F238E27FC236}">
+                    <a16:creationId xmlns:a16="http://schemas.microsoft.com/office/drawing/2014/main" id="{66F7F6C1-7261-5F8E-B2F0-B6BCD9E75295}"/>
+                  </a:ext>
+                </a:extLst>
+              </p14:cNvPr>
+              <p14:cNvContentPartPr/>
+              <p14:nvPr/>
+            </p14:nvContentPartPr>
+            <p14:xfrm>
+              <a:off x="7005600" y="5272200"/>
+              <a:ext cx="1005120" cy="771840"/>
+            </p14:xfrm>
+          </p:contentPart>
+        </mc:Choice>
+        <mc:Fallback>
+          <p:pic>
+            <p:nvPicPr>
+              <p:cNvPr id="2" name="Ink 1">
+                <a:extLst>
+                  <a:ext uri="{FF2B5EF4-FFF2-40B4-BE49-F238E27FC236}">
+                    <a16:creationId xmlns:a16="http://schemas.microsoft.com/office/drawing/2014/main" id="{66F7F6C1-7261-5F8E-B2F0-B6BCD9E75295}"/>
+                  </a:ext>
+                </a:extLst>
+              </p:cNvPr>
+              <p:cNvPicPr/>
+              <p:nvPr/>
+            </p:nvPicPr>
+            <p:blipFill>
+              <a:blip r:embed="rId6"/>
+              <a:stretch>
+                <a:fillRect/>
+              </a:stretch>
+            </p:blipFill>
+            <p:spPr>
+              <a:xfrm>
+                <a:off x="6996240" y="5262840"/>
+                <a:ext cx="1023840" cy="790560"/>
+              </a:xfrm>
+              <a:prstGeom prst="rect">
+                <a:avLst/>
+              </a:prstGeom>
+            </p:spPr>
+          </p:pic>
+        </mc:Fallback>
+      </mc:AlternateContent>
     </p:spTree>
     <p:extLst>
       <p:ext uri="{BB962C8B-B14F-4D97-AF65-F5344CB8AC3E}">
@@ -22713,8 +22934,8 @@
           </a:p>
         </p:txBody>
       </p:sp>
-      <mc:AlternateContent xmlns:mc="http://schemas.openxmlformats.org/markup-compatibility/2006">
-        <mc:Choice xmlns:a14="http://schemas.microsoft.com/office/drawing/2010/main" Requires="a14">
+      <mc:AlternateContent xmlns:mc="http://schemas.openxmlformats.org/markup-compatibility/2006" xmlns:a14="http://schemas.microsoft.com/office/drawing/2010/main">
+        <mc:Choice Requires="a14">
           <p:graphicFrame>
             <p:nvGraphicFramePr>
               <p:cNvPr id="5" name="Table 4">
@@ -23201,7 +23422,7 @@
                                 <m:sSub>
                                   <m:sSubPr>
                                     <m:ctrlPr>
-                                      <a:rPr lang="en-US" sz="2100" i="0" smtClean="0">
+                                      <a:rPr lang="en-US" sz="2100" i="1" smtClean="0">
                                         <a:latin typeface="Cambria Math" panose="02040503050406030204" pitchFamily="18" charset="0"/>
                                       </a:rPr>
                                     </m:ctrlPr>
@@ -23251,7 +23472,7 @@
             </a:graphic>
           </p:graphicFrame>
         </mc:Choice>
-        <mc:Fallback>
+        <mc:Fallback xmlns="">
           <p:graphicFrame>
             <p:nvGraphicFramePr>
               <p:cNvPr id="5" name="Table 4">
@@ -23666,6 +23887,57 @@
               </a:graphicData>
             </a:graphic>
           </p:graphicFrame>
+        </mc:Fallback>
+      </mc:AlternateContent>
+      <mc:AlternateContent xmlns:mc="http://schemas.openxmlformats.org/markup-compatibility/2006">
+        <mc:Choice xmlns:p14="http://schemas.microsoft.com/office/powerpoint/2010/main" Requires="p14">
+          <p:contentPart p14:bwMode="auto" r:id="rId5">
+            <p14:nvContentPartPr>
+              <p14:cNvPr id="2" name="Ink 1">
+                <a:extLst>
+                  <a:ext uri="{FF2B5EF4-FFF2-40B4-BE49-F238E27FC236}">
+                    <a16:creationId xmlns:a16="http://schemas.microsoft.com/office/drawing/2014/main" id="{16D80C63-E681-1E31-5602-F4B2BCBA4742}"/>
+                  </a:ext>
+                </a:extLst>
+              </p14:cNvPr>
+              <p14:cNvContentPartPr/>
+              <p14:nvPr/>
+            </p14:nvContentPartPr>
+            <p14:xfrm>
+              <a:off x="10058400" y="2443320"/>
+              <a:ext cx="357480" cy="2543400"/>
+            </p14:xfrm>
+          </p:contentPart>
+        </mc:Choice>
+        <mc:Fallback>
+          <p:pic>
+            <p:nvPicPr>
+              <p:cNvPr id="2" name="Ink 1">
+                <a:extLst>
+                  <a:ext uri="{FF2B5EF4-FFF2-40B4-BE49-F238E27FC236}">
+                    <a16:creationId xmlns:a16="http://schemas.microsoft.com/office/drawing/2014/main" id="{16D80C63-E681-1E31-5602-F4B2BCBA4742}"/>
+                  </a:ext>
+                </a:extLst>
+              </p:cNvPr>
+              <p:cNvPicPr/>
+              <p:nvPr/>
+            </p:nvPicPr>
+            <p:blipFill>
+              <a:blip r:embed="rId6"/>
+              <a:stretch>
+                <a:fillRect/>
+              </a:stretch>
+            </p:blipFill>
+            <p:spPr>
+              <a:xfrm>
+                <a:off x="10049040" y="2433960"/>
+                <a:ext cx="376200" cy="2562120"/>
+              </a:xfrm>
+              <a:prstGeom prst="rect">
+                <a:avLst/>
+              </a:prstGeom>
+            </p:spPr>
+          </p:pic>
         </mc:Fallback>
       </mc:AlternateContent>
     </p:spTree>

--- a/Part 4 - Number System/Number System Conversion.pptx
+++ b/Part 4 - Number System/Number System Conversion.pptx
@@ -7852,8 +7852,8 @@
           </a:p>
         </p:txBody>
       </p:sp>
-      <mc:AlternateContent xmlns:mc="http://schemas.openxmlformats.org/markup-compatibility/2006">
-        <mc:Choice xmlns:p14="http://schemas.microsoft.com/office/powerpoint/2010/main" Requires="p14">
+      <mc:AlternateContent xmlns:mc="http://schemas.openxmlformats.org/markup-compatibility/2006" xmlns:p14="http://schemas.microsoft.com/office/powerpoint/2010/main">
+        <mc:Choice Requires="p14">
           <p:contentPart p14:bwMode="auto" r:id="rId10">
             <p14:nvContentPartPr>
               <p14:cNvPr id="4" name="Ink 3">
@@ -7872,7 +7872,7 @@
             </p14:xfrm>
           </p:contentPart>
         </mc:Choice>
-        <mc:Fallback>
+        <mc:Fallback xmlns="">
           <p:pic>
             <p:nvPicPr>
               <p:cNvPr id="4" name="Ink 3">
@@ -9224,7 +9224,7 @@
           <p:nvPr>
             <p:extLst>
               <p:ext uri="{D42A27DB-BD31-4B8C-83A1-F6EECF244321}">
-                <p14:modId xmlns:p14="http://schemas.microsoft.com/office/powerpoint/2010/main" val="3194721938"/>
+                <p14:modId xmlns:p14="http://schemas.microsoft.com/office/powerpoint/2010/main" val="189802917"/>
               </p:ext>
             </p:extLst>
           </p:nvPr>
@@ -9320,7 +9320,18 @@
                       <a:pPr algn="ctr"/>
                       <a:r>
                         <a:rPr lang="en-US" dirty="0"/>
-                        <a:t>4320 / 8</a:t>
+                        <a:t>4320 </a:t>
+                      </a:r>
+                      <a:r>
+                        <a:rPr lang="en-US" dirty="0">
+                          <a:latin typeface="Cambria Math" panose="02040503050406030204" pitchFamily="18" charset="0"/>
+                          <a:ea typeface="Cambria Math" panose="02040503050406030204" pitchFamily="18" charset="0"/>
+                        </a:rPr>
+                        <a:t>÷</a:t>
+                      </a:r>
+                      <a:r>
+                        <a:rPr lang="en-US" dirty="0"/>
+                        <a:t> 8</a:t>
                       </a:r>
                     </a:p>
                   </a:txBody>
@@ -9379,7 +9390,7 @@
           <p:nvPr>
             <p:extLst>
               <p:ext uri="{D42A27DB-BD31-4B8C-83A1-F6EECF244321}">
-                <p14:modId xmlns:p14="http://schemas.microsoft.com/office/powerpoint/2010/main" val="741510602"/>
+                <p14:modId xmlns:p14="http://schemas.microsoft.com/office/powerpoint/2010/main" val="4174054741"/>
               </p:ext>
             </p:extLst>
           </p:nvPr>
@@ -9426,7 +9437,18 @@
                       <a:pPr algn="ctr"/>
                       <a:r>
                         <a:rPr lang="en-US" dirty="0"/>
-                        <a:t>540 / 8</a:t>
+                        <a:t>540 </a:t>
+                      </a:r>
+                      <a:r>
+                        <a:rPr lang="en-US" dirty="0">
+                          <a:latin typeface="Cambria Math" panose="02040503050406030204" pitchFamily="18" charset="0"/>
+                          <a:ea typeface="Cambria Math" panose="02040503050406030204" pitchFamily="18" charset="0"/>
+                        </a:rPr>
+                        <a:t>÷</a:t>
+                      </a:r>
+                      <a:r>
+                        <a:rPr lang="en-US" dirty="0"/>
+                        <a:t> 8</a:t>
                       </a:r>
                     </a:p>
                   </a:txBody>
@@ -9489,7 +9511,7 @@
           <p:nvPr>
             <p:extLst>
               <p:ext uri="{D42A27DB-BD31-4B8C-83A1-F6EECF244321}">
-                <p14:modId xmlns:p14="http://schemas.microsoft.com/office/powerpoint/2010/main" val="913185357"/>
+                <p14:modId xmlns:p14="http://schemas.microsoft.com/office/powerpoint/2010/main" val="3663580845"/>
               </p:ext>
             </p:extLst>
           </p:nvPr>
@@ -9536,7 +9558,18 @@
                       <a:pPr algn="ctr"/>
                       <a:r>
                         <a:rPr lang="en-US" dirty="0"/>
-                        <a:t>67 / 8</a:t>
+                        <a:t>67 </a:t>
+                      </a:r>
+                      <a:r>
+                        <a:rPr lang="en-US" dirty="0">
+                          <a:latin typeface="Cambria Math" panose="02040503050406030204" pitchFamily="18" charset="0"/>
+                          <a:ea typeface="Cambria Math" panose="02040503050406030204" pitchFamily="18" charset="0"/>
+                        </a:rPr>
+                        <a:t>÷</a:t>
+                      </a:r>
+                      <a:r>
+                        <a:rPr lang="en-US" dirty="0"/>
+                        <a:t> 8</a:t>
                       </a:r>
                     </a:p>
                   </a:txBody>
@@ -9599,7 +9632,7 @@
           <p:nvPr>
             <p:extLst>
               <p:ext uri="{D42A27DB-BD31-4B8C-83A1-F6EECF244321}">
-                <p14:modId xmlns:p14="http://schemas.microsoft.com/office/powerpoint/2010/main" val="935575337"/>
+                <p14:modId xmlns:p14="http://schemas.microsoft.com/office/powerpoint/2010/main" val="94249856"/>
               </p:ext>
             </p:extLst>
           </p:nvPr>
@@ -9646,7 +9679,18 @@
                       <a:pPr algn="ctr"/>
                       <a:r>
                         <a:rPr lang="en-US" dirty="0"/>
-                        <a:t>8 / 8</a:t>
+                        <a:t>8 </a:t>
+                      </a:r>
+                      <a:r>
+                        <a:rPr lang="en-US" dirty="0">
+                          <a:latin typeface="Cambria Math" panose="02040503050406030204" pitchFamily="18" charset="0"/>
+                          <a:ea typeface="Cambria Math" panose="02040503050406030204" pitchFamily="18" charset="0"/>
+                        </a:rPr>
+                        <a:t>÷</a:t>
+                      </a:r>
+                      <a:r>
+                        <a:rPr lang="en-US" dirty="0"/>
+                        <a:t> 8</a:t>
                       </a:r>
                     </a:p>
                   </a:txBody>
@@ -9709,7 +9753,7 @@
           <p:nvPr>
             <p:extLst>
               <p:ext uri="{D42A27DB-BD31-4B8C-83A1-F6EECF244321}">
-                <p14:modId xmlns:p14="http://schemas.microsoft.com/office/powerpoint/2010/main" val="1138212981"/>
+                <p14:modId xmlns:p14="http://schemas.microsoft.com/office/powerpoint/2010/main" val="1241331345"/>
               </p:ext>
             </p:extLst>
           </p:nvPr>
@@ -9756,7 +9800,18 @@
                       <a:pPr algn="ctr"/>
                       <a:r>
                         <a:rPr lang="en-US" dirty="0"/>
-                        <a:t>1 / 8</a:t>
+                        <a:t>1 </a:t>
+                      </a:r>
+                      <a:r>
+                        <a:rPr lang="en-US" dirty="0">
+                          <a:latin typeface="Cambria Math" panose="02040503050406030204" pitchFamily="18" charset="0"/>
+                          <a:ea typeface="Cambria Math" panose="02040503050406030204" pitchFamily="18" charset="0"/>
+                        </a:rPr>
+                        <a:t>÷</a:t>
+                      </a:r>
+                      <a:r>
+                        <a:rPr lang="en-US" dirty="0"/>
+                        <a:t> 8</a:t>
                       </a:r>
                     </a:p>
                   </a:txBody>
@@ -14630,7 +14685,7 @@
           <p:nvPr>
             <p:extLst>
               <p:ext uri="{D42A27DB-BD31-4B8C-83A1-F6EECF244321}">
-                <p14:modId xmlns:p14="http://schemas.microsoft.com/office/powerpoint/2010/main" val="3964135107"/>
+                <p14:modId xmlns:p14="http://schemas.microsoft.com/office/powerpoint/2010/main" val="685216437"/>
               </p:ext>
             </p:extLst>
           </p:nvPr>
@@ -14726,7 +14781,18 @@
                       <a:pPr algn="ctr"/>
                       <a:r>
                         <a:rPr lang="en-US" dirty="0"/>
-                        <a:t>700 / 16</a:t>
+                        <a:t>700 </a:t>
+                      </a:r>
+                      <a:r>
+                        <a:rPr lang="en-US" dirty="0">
+                          <a:latin typeface="Cambria Math" panose="02040503050406030204" pitchFamily="18" charset="0"/>
+                          <a:ea typeface="Cambria Math" panose="02040503050406030204" pitchFamily="18" charset="0"/>
+                        </a:rPr>
+                        <a:t>÷</a:t>
+                      </a:r>
+                      <a:r>
+                        <a:rPr lang="en-US" dirty="0"/>
+                        <a:t> 16</a:t>
                       </a:r>
                     </a:p>
                   </a:txBody>
@@ -14789,7 +14855,7 @@
           <p:nvPr>
             <p:extLst>
               <p:ext uri="{D42A27DB-BD31-4B8C-83A1-F6EECF244321}">
-                <p14:modId xmlns:p14="http://schemas.microsoft.com/office/powerpoint/2010/main" val="3654835179"/>
+                <p14:modId xmlns:p14="http://schemas.microsoft.com/office/powerpoint/2010/main" val="3618677951"/>
               </p:ext>
             </p:extLst>
           </p:nvPr>
@@ -14836,7 +14902,18 @@
                       <a:pPr algn="ctr"/>
                       <a:r>
                         <a:rPr lang="en-US" dirty="0"/>
-                        <a:t>43 / 16</a:t>
+                        <a:t>43 </a:t>
+                      </a:r>
+                      <a:r>
+                        <a:rPr lang="en-US" dirty="0">
+                          <a:latin typeface="Cambria Math" panose="02040503050406030204" pitchFamily="18" charset="0"/>
+                          <a:ea typeface="Cambria Math" panose="02040503050406030204" pitchFamily="18" charset="0"/>
+                        </a:rPr>
+                        <a:t>÷</a:t>
+                      </a:r>
+                      <a:r>
+                        <a:rPr lang="en-US" dirty="0"/>
+                        <a:t> 16</a:t>
                       </a:r>
                     </a:p>
                   </a:txBody>
@@ -14899,7 +14976,7 @@
           <p:nvPr>
             <p:extLst>
               <p:ext uri="{D42A27DB-BD31-4B8C-83A1-F6EECF244321}">
-                <p14:modId xmlns:p14="http://schemas.microsoft.com/office/powerpoint/2010/main" val="345868815"/>
+                <p14:modId xmlns:p14="http://schemas.microsoft.com/office/powerpoint/2010/main" val="4290685285"/>
               </p:ext>
             </p:extLst>
           </p:nvPr>
@@ -14945,8 +15022,23 @@
                     <a:p>
                       <a:pPr algn="ctr"/>
                       <a:r>
+                        <a:rPr lang="en-US"/>
+                        <a:t>2 </a:t>
+                      </a:r>
+                      <a:r>
+                        <a:rPr lang="en-US">
+                          <a:latin typeface="Cambria Math" panose="02040503050406030204" pitchFamily="18" charset="0"/>
+                          <a:ea typeface="Cambria Math" panose="02040503050406030204" pitchFamily="18" charset="0"/>
+                        </a:rPr>
+                        <a:t>÷</a:t>
+                      </a:r>
+                      <a:r>
+                        <a:rPr lang="en-US"/>
+                        <a:t> </a:t>
+                      </a:r>
+                      <a:r>
                         <a:rPr lang="en-US" dirty="0"/>
-                        <a:t>2 / 16</a:t>
+                        <a:t>16</a:t>
                       </a:r>
                     </a:p>
                   </a:txBody>
@@ -20573,8 +20665,8 @@
           </a:p>
         </p:txBody>
       </p:sp>
-      <mc:AlternateContent xmlns:mc="http://schemas.openxmlformats.org/markup-compatibility/2006">
-        <mc:Choice xmlns:a14="http://schemas.microsoft.com/office/drawing/2010/main" Requires="a14">
+      <mc:AlternateContent xmlns:mc="http://schemas.openxmlformats.org/markup-compatibility/2006" xmlns:a14="http://schemas.microsoft.com/office/drawing/2010/main">
+        <mc:Choice Requires="a14">
           <p:sp>
             <p:nvSpPr>
               <p:cNvPr id="15" name="TextBox 14">
@@ -20652,7 +20744,7 @@
             </p:txBody>
           </p:sp>
         </mc:Choice>
-        <mc:Fallback>
+        <mc:Fallback xmlns="">
           <p:sp>
             <p:nvSpPr>
               <p:cNvPr id="15" name="TextBox 14">
@@ -20786,8 +20878,8 @@
           </a:p>
         </p:txBody>
       </p:sp>
-      <mc:AlternateContent xmlns:mc="http://schemas.openxmlformats.org/markup-compatibility/2006">
-        <mc:Choice xmlns:p14="http://schemas.microsoft.com/office/powerpoint/2010/main" Requires="p14">
+      <mc:AlternateContent xmlns:mc="http://schemas.openxmlformats.org/markup-compatibility/2006" xmlns:p14="http://schemas.microsoft.com/office/powerpoint/2010/main">
+        <mc:Choice Requires="p14">
           <p:contentPart p14:bwMode="auto" r:id="rId5">
             <p14:nvContentPartPr>
               <p14:cNvPr id="2" name="Ink 1">
@@ -20806,7 +20898,7 @@
             </p14:xfrm>
           </p:contentPart>
         </mc:Choice>
-        <mc:Fallback>
+        <mc:Fallback xmlns="">
           <p:pic>
             <p:nvPicPr>
               <p:cNvPr id="2" name="Ink 1">
@@ -23889,8 +23981,8 @@
           </p:graphicFrame>
         </mc:Fallback>
       </mc:AlternateContent>
-      <mc:AlternateContent xmlns:mc="http://schemas.openxmlformats.org/markup-compatibility/2006">
-        <mc:Choice xmlns:p14="http://schemas.microsoft.com/office/powerpoint/2010/main" Requires="p14">
+      <mc:AlternateContent xmlns:mc="http://schemas.openxmlformats.org/markup-compatibility/2006" xmlns:p14="http://schemas.microsoft.com/office/powerpoint/2010/main">
+        <mc:Choice Requires="p14">
           <p:contentPart p14:bwMode="auto" r:id="rId5">
             <p14:nvContentPartPr>
               <p14:cNvPr id="2" name="Ink 1">
@@ -23909,7 +24001,7 @@
             </p14:xfrm>
           </p:contentPart>
         </mc:Choice>
-        <mc:Fallback>
+        <mc:Fallback xmlns="">
           <p:pic>
             <p:nvPicPr>
               <p:cNvPr id="2" name="Ink 1">
